--- a/Documenti/Presentazione Demetra.pptx
+++ b/Documenti/Presentazione Demetra.pptx
@@ -5277,10 +5277,10 @@
     <dgm:cxn modelId="{68B3CE11-F3E0-4640-9E59-E966336923CF}" type="presOf" srcId="{E477ADE1-F1DF-4748-B28F-F28D731FB8B8}" destId="{20C2E912-78A0-D145-87EC-0AEAC06D2946}" srcOrd="0" destOrd="0" presId="urn:microsoft.com/office/officeart/2005/8/layout/vList2"/>
     <dgm:cxn modelId="{C1000A12-1D73-7444-AE32-BBAE4BA4C357}" type="presOf" srcId="{33F2DC18-F16A-49E2-9AB7-6A4A1214F383}" destId="{C1A908CB-AC40-584F-BEB8-2ADBFFA4137B}" srcOrd="0" destOrd="0" presId="urn:microsoft.com/office/officeart/2005/8/layout/vList2"/>
     <dgm:cxn modelId="{DF0FF91B-43EB-4149-ACD8-8CCBC2240B79}" type="presOf" srcId="{40365F52-9D89-4D1F-86FF-E8A9D5F9B1B8}" destId="{05406C69-892A-124D-A506-FE07CA9A95AE}" srcOrd="0" destOrd="0" presId="urn:microsoft.com/office/officeart/2005/8/layout/vList2"/>
+    <dgm:cxn modelId="{F922525E-50F3-F845-B1DF-94D74E456435}" type="presOf" srcId="{05DDCADC-7F68-4B9E-B9C8-6BD5BC9FEE65}" destId="{37C4529D-424E-0B48-9F1A-72508A91B038}" srcOrd="0" destOrd="0" presId="urn:microsoft.com/office/officeart/2005/8/layout/vList2"/>
     <dgm:cxn modelId="{49CADC42-AAF2-4B4B-A923-1965B353E342}" srcId="{FA546A95-3BEA-4D01-A0BC-D5D432A6D938}" destId="{AA9F916A-653D-4680-991A-87BAFE6A5691}" srcOrd="7" destOrd="0" parTransId="{E7CC1470-C136-468C-B099-92DA9F25825A}" sibTransId="{3A9FE06B-4579-46D8-B415-EC06428DEAD1}"/>
     <dgm:cxn modelId="{CB21FF46-1EF1-4907-80C4-BBFF36D30C3E}" srcId="{FA546A95-3BEA-4D01-A0BC-D5D432A6D938}" destId="{E477ADE1-F1DF-4748-B28F-F28D731FB8B8}" srcOrd="5" destOrd="0" parTransId="{430C1962-CAA9-4A5F-9D1C-1B47893CAC40}" sibTransId="{69304C44-F5F1-41BF-9F41-7A5FDF8AE79D}"/>
     <dgm:cxn modelId="{E0B03547-B057-4410-A864-34645F2DB0B5}" srcId="{FA546A95-3BEA-4D01-A0BC-D5D432A6D938}" destId="{33F2DC18-F16A-49E2-9AB7-6A4A1214F383}" srcOrd="8" destOrd="0" parTransId="{45675365-F7B9-4CB3-AE4D-F9B40F98D30C}" sibTransId="{449BC085-3B78-44FC-A9A5-4F2C192B3B0D}"/>
-    <dgm:cxn modelId="{F922525E-50F3-F845-B1DF-94D74E456435}" type="presOf" srcId="{05DDCADC-7F68-4B9E-B9C8-6BD5BC9FEE65}" destId="{37C4529D-424E-0B48-9F1A-72508A91B038}" srcOrd="0" destOrd="0" presId="urn:microsoft.com/office/officeart/2005/8/layout/vList2"/>
     <dgm:cxn modelId="{386D0075-0D9A-354F-934B-C9E8CD388FD8}" type="presOf" srcId="{FA546A95-3BEA-4D01-A0BC-D5D432A6D938}" destId="{F6C96004-E40A-AB4F-9447-932E780A2766}" srcOrd="0" destOrd="0" presId="urn:microsoft.com/office/officeart/2005/8/layout/vList2"/>
     <dgm:cxn modelId="{5BA70375-7786-494C-8D3C-026B4377D656}" type="presOf" srcId="{345932EF-43AD-43FD-9DA6-AE2D0AFE32F1}" destId="{E791B9CB-BDD2-7E4B-936C-78ADED8FCEB2}" srcOrd="0" destOrd="0" presId="urn:microsoft.com/office/officeart/2005/8/layout/vList2"/>
     <dgm:cxn modelId="{4ABF8B75-7EF1-8543-BA35-20D9C94F8142}" type="presOf" srcId="{4BF8DF48-3F7F-44AD-91FD-A9344B2E5EFB}" destId="{3671EFD3-A60A-F248-AAC4-BB6CA68B92AE}" srcOrd="0" destOrd="0" presId="urn:microsoft.com/office/officeart/2005/8/layout/vList2"/>
@@ -5501,8 +5501,8 @@
   </dgm:ptLst>
   <dgm:cxnLst>
     <dgm:cxn modelId="{C939073C-7CE9-AB49-A962-B85A976A54AD}" type="presOf" srcId="{E5E3EDAB-7B99-44FD-B627-1048572E69BD}" destId="{C9F82B8B-85FC-714D-95E1-37592E455804}" srcOrd="0" destOrd="0" presId="urn:microsoft.com/office/officeart/2005/8/layout/hierarchy1"/>
+    <dgm:cxn modelId="{A75A0460-1D06-4C5D-9248-9E87F851B201}" srcId="{59728D82-85C2-4814-BAC1-DD3DB378D41C}" destId="{E5E3EDAB-7B99-44FD-B627-1048572E69BD}" srcOrd="1" destOrd="0" parTransId="{CF601411-B6EE-4DCF-BE2F-418ED2030BCB}" sibTransId="{14A0947E-92B0-436C-9839-4887F50563A6}"/>
     <dgm:cxn modelId="{5D3C2B4A-30FE-7F43-BABE-4F6653566828}" type="presOf" srcId="{14BC60C0-148B-4A52-B17F-B05C5719FE06}" destId="{8413950D-A6F6-9A4B-8D51-ED48F2C6EE67}" srcOrd="0" destOrd="0" presId="urn:microsoft.com/office/officeart/2005/8/layout/hierarchy1"/>
-    <dgm:cxn modelId="{A75A0460-1D06-4C5D-9248-9E87F851B201}" srcId="{59728D82-85C2-4814-BAC1-DD3DB378D41C}" destId="{E5E3EDAB-7B99-44FD-B627-1048572E69BD}" srcOrd="1" destOrd="0" parTransId="{CF601411-B6EE-4DCF-BE2F-418ED2030BCB}" sibTransId="{14A0947E-92B0-436C-9839-4887F50563A6}"/>
     <dgm:cxn modelId="{1A7318F8-B7A8-49AF-93A2-318CBCEA5DD9}" srcId="{59728D82-85C2-4814-BAC1-DD3DB378D41C}" destId="{14BC60C0-148B-4A52-B17F-B05C5719FE06}" srcOrd="0" destOrd="0" parTransId="{3F50FDF3-E94B-458A-B413-5B2AC4D3BFFC}" sibTransId="{EAEB0FD0-8317-4CC0-BBBE-1CDD3BAA707E}"/>
     <dgm:cxn modelId="{245A54FD-82D8-5542-8C53-B765C4D31179}" type="presOf" srcId="{59728D82-85C2-4814-BAC1-DD3DB378D41C}" destId="{0BE5CEEC-012B-B146-B004-9191C3E57C72}" srcOrd="0" destOrd="0" presId="urn:microsoft.com/office/officeart/2005/8/layout/hierarchy1"/>
     <dgm:cxn modelId="{9B7E83C1-DC3A-324A-9B37-533A2D697781}" type="presParOf" srcId="{0BE5CEEC-012B-B146-B004-9191C3E57C72}" destId="{6F7112A4-CFB7-BA4E-8B87-7F5C5A3088E7}" srcOrd="0" destOrd="0" presId="urn:microsoft.com/office/officeart/2005/8/layout/hierarchy1"/>
@@ -5697,8 +5697,8 @@
   </dgm:ptLst>
   <dgm:cxnLst>
     <dgm:cxn modelId="{C939073C-7CE9-AB49-A962-B85A976A54AD}" type="presOf" srcId="{E5E3EDAB-7B99-44FD-B627-1048572E69BD}" destId="{C9F82B8B-85FC-714D-95E1-37592E455804}" srcOrd="0" destOrd="0" presId="urn:microsoft.com/office/officeart/2005/8/layout/hierarchy1"/>
+    <dgm:cxn modelId="{A75A0460-1D06-4C5D-9248-9E87F851B201}" srcId="{59728D82-85C2-4814-BAC1-DD3DB378D41C}" destId="{E5E3EDAB-7B99-44FD-B627-1048572E69BD}" srcOrd="1" destOrd="0" parTransId="{CF601411-B6EE-4DCF-BE2F-418ED2030BCB}" sibTransId="{14A0947E-92B0-436C-9839-4887F50563A6}"/>
     <dgm:cxn modelId="{5D3C2B4A-30FE-7F43-BABE-4F6653566828}" type="presOf" srcId="{14BC60C0-148B-4A52-B17F-B05C5719FE06}" destId="{8413950D-A6F6-9A4B-8D51-ED48F2C6EE67}" srcOrd="0" destOrd="0" presId="urn:microsoft.com/office/officeart/2005/8/layout/hierarchy1"/>
-    <dgm:cxn modelId="{A75A0460-1D06-4C5D-9248-9E87F851B201}" srcId="{59728D82-85C2-4814-BAC1-DD3DB378D41C}" destId="{E5E3EDAB-7B99-44FD-B627-1048572E69BD}" srcOrd="1" destOrd="0" parTransId="{CF601411-B6EE-4DCF-BE2F-418ED2030BCB}" sibTransId="{14A0947E-92B0-436C-9839-4887F50563A6}"/>
     <dgm:cxn modelId="{1A7318F8-B7A8-49AF-93A2-318CBCEA5DD9}" srcId="{59728D82-85C2-4814-BAC1-DD3DB378D41C}" destId="{14BC60C0-148B-4A52-B17F-B05C5719FE06}" srcOrd="0" destOrd="0" parTransId="{3F50FDF3-E94B-458A-B413-5B2AC4D3BFFC}" sibTransId="{EAEB0FD0-8317-4CC0-BBBE-1CDD3BAA707E}"/>
     <dgm:cxn modelId="{245A54FD-82D8-5542-8C53-B765C4D31179}" type="presOf" srcId="{59728D82-85C2-4814-BAC1-DD3DB378D41C}" destId="{0BE5CEEC-012B-B146-B004-9191C3E57C72}" srcOrd="0" destOrd="0" presId="urn:microsoft.com/office/officeart/2005/8/layout/hierarchy1"/>
     <dgm:cxn modelId="{9B7E83C1-DC3A-324A-9B37-533A2D697781}" type="presParOf" srcId="{0BE5CEEC-012B-B146-B004-9191C3E57C72}" destId="{6F7112A4-CFB7-BA4E-8B87-7F5C5A3088E7}" srcOrd="0" destOrd="0" presId="urn:microsoft.com/office/officeart/2005/8/layout/hierarchy1"/>
@@ -5881,8 +5881,8 @@
   </dgm:ptLst>
   <dgm:cxnLst>
     <dgm:cxn modelId="{C939073C-7CE9-AB49-A962-B85A976A54AD}" type="presOf" srcId="{E5E3EDAB-7B99-44FD-B627-1048572E69BD}" destId="{C9F82B8B-85FC-714D-95E1-37592E455804}" srcOrd="0" destOrd="0" presId="urn:microsoft.com/office/officeart/2005/8/layout/hierarchy1"/>
+    <dgm:cxn modelId="{A75A0460-1D06-4C5D-9248-9E87F851B201}" srcId="{59728D82-85C2-4814-BAC1-DD3DB378D41C}" destId="{E5E3EDAB-7B99-44FD-B627-1048572E69BD}" srcOrd="1" destOrd="0" parTransId="{CF601411-B6EE-4DCF-BE2F-418ED2030BCB}" sibTransId="{14A0947E-92B0-436C-9839-4887F50563A6}"/>
     <dgm:cxn modelId="{5D3C2B4A-30FE-7F43-BABE-4F6653566828}" type="presOf" srcId="{14BC60C0-148B-4A52-B17F-B05C5719FE06}" destId="{8413950D-A6F6-9A4B-8D51-ED48F2C6EE67}" srcOrd="0" destOrd="0" presId="urn:microsoft.com/office/officeart/2005/8/layout/hierarchy1"/>
-    <dgm:cxn modelId="{A75A0460-1D06-4C5D-9248-9E87F851B201}" srcId="{59728D82-85C2-4814-BAC1-DD3DB378D41C}" destId="{E5E3EDAB-7B99-44FD-B627-1048572E69BD}" srcOrd="1" destOrd="0" parTransId="{CF601411-B6EE-4DCF-BE2F-418ED2030BCB}" sibTransId="{14A0947E-92B0-436C-9839-4887F50563A6}"/>
     <dgm:cxn modelId="{1A7318F8-B7A8-49AF-93A2-318CBCEA5DD9}" srcId="{59728D82-85C2-4814-BAC1-DD3DB378D41C}" destId="{14BC60C0-148B-4A52-B17F-B05C5719FE06}" srcOrd="0" destOrd="0" parTransId="{3F50FDF3-E94B-458A-B413-5B2AC4D3BFFC}" sibTransId="{EAEB0FD0-8317-4CC0-BBBE-1CDD3BAA707E}"/>
     <dgm:cxn modelId="{245A54FD-82D8-5542-8C53-B765C4D31179}" type="presOf" srcId="{59728D82-85C2-4814-BAC1-DD3DB378D41C}" destId="{0BE5CEEC-012B-B146-B004-9191C3E57C72}" srcOrd="0" destOrd="0" presId="urn:microsoft.com/office/officeart/2005/8/layout/hierarchy1"/>
     <dgm:cxn modelId="{9B7E83C1-DC3A-324A-9B37-533A2D697781}" type="presParOf" srcId="{0BE5CEEC-012B-B146-B004-9191C3E57C72}" destId="{6F7112A4-CFB7-BA4E-8B87-7F5C5A3088E7}" srcOrd="0" destOrd="0" presId="urn:microsoft.com/office/officeart/2005/8/layout/hierarchy1"/>
@@ -6394,10 +6394,10 @@
         <a:lstStyle/>
         <a:p>
           <a:r>
-            <a:rPr lang="it-IT" baseline="0"/>
+            <a:rPr lang="it-IT" baseline="0" dirty="0"/>
             <a:t>Minor numero di risorse utilizzate;</a:t>
           </a:r>
-          <a:endParaRPr lang="en-US"/>
+          <a:endParaRPr lang="en-US" dirty="0"/>
         </a:p>
       </dgm:t>
     </dgm:pt>
@@ -6574,6 +6574,28 @@
         </a:p>
       </dgm:t>
     </dgm:pt>
+    <dgm:pt modelId="{F76E93E4-196C-43E4-9F17-6F9E44078B79}">
+      <dgm:prSet/>
+      <dgm:spPr/>
+      <dgm:t>
+        <a:bodyPr/>
+        <a:lstStyle/>
+        <a:p>
+          <a:r>
+            <a:rPr lang="en-US" dirty="0"/>
+            <a:t>Favorisce i piccoli produttori;</a:t>
+          </a:r>
+        </a:p>
+      </dgm:t>
+    </dgm:pt>
+    <dgm:pt modelId="{EF1A171B-24C3-4B9B-9E32-A83BA1033208}" type="parTrans" cxnId="{155E8662-7170-4F2D-9A50-0B553B42A236}">
+      <dgm:prSet/>
+      <dgm:spPr/>
+    </dgm:pt>
+    <dgm:pt modelId="{2F769216-1946-44CB-ABEB-C470C942FCDE}" type="sibTrans" cxnId="{155E8662-7170-4F2D-9A50-0B553B42A236}">
+      <dgm:prSet/>
+      <dgm:spPr/>
+    </dgm:pt>
     <dgm:pt modelId="{59C33AEC-C5F6-E14B-BAD5-0CA156A65593}" type="pres">
       <dgm:prSet presAssocID="{AFE1E3FF-7020-4441-972A-4F5D5846F6B8}" presName="linear" presStyleCnt="0">
         <dgm:presLayoutVars>
@@ -6651,10 +6673,12 @@
     <dgm:cxn modelId="{8474F80D-EA8B-304C-942C-40A1D9EC6920}" type="presOf" srcId="{052E6A69-1515-42E7-8E48-DCFECA38971F}" destId="{07C9E2E4-9E5F-7442-9A54-8FBAAB5C9161}" srcOrd="0" destOrd="0" presId="urn:microsoft.com/office/officeart/2005/8/layout/list1"/>
     <dgm:cxn modelId="{FF636721-8003-E94D-9778-8307E511DC5B}" type="presOf" srcId="{64B2DDBF-BF78-4914-9129-9B4A9BE44F87}" destId="{AF5EEF43-F2CB-4E42-900B-5F0C4C1DFF9F}" srcOrd="0" destOrd="2" presId="urn:microsoft.com/office/officeart/2005/8/layout/list1"/>
     <dgm:cxn modelId="{FCDC8A31-298C-3A4C-B599-9B419CD1A8D2}" type="presOf" srcId="{A08B3E7C-32BD-4002-A23F-FE9F7FA943C2}" destId="{74098206-BA33-7E40-8736-C66624F19FAF}" srcOrd="0" destOrd="1" presId="urn:microsoft.com/office/officeart/2005/8/layout/list1"/>
+    <dgm:cxn modelId="{679B5736-2775-41EC-858A-626A9918D306}" type="presOf" srcId="{F76E93E4-196C-43E4-9F17-6F9E44078B79}" destId="{74098206-BA33-7E40-8736-C66624F19FAF}" srcOrd="0" destOrd="2" presId="urn:microsoft.com/office/officeart/2005/8/layout/list1"/>
+    <dgm:cxn modelId="{2CE6815F-4EC8-8549-9D34-EE02EBDD1B5D}" type="presOf" srcId="{71971B97-2894-41BE-A401-7B120876AA8F}" destId="{C5A950D0-B6DA-344E-AE3C-B19EEBE01C0A}" srcOrd="0" destOrd="0" presId="urn:microsoft.com/office/officeart/2005/8/layout/list1"/>
+    <dgm:cxn modelId="{155E8662-7170-4F2D-9A50-0B553B42A236}" srcId="{052E6A69-1515-42E7-8E48-DCFECA38971F}" destId="{F76E93E4-196C-43E4-9F17-6F9E44078B79}" srcOrd="2" destOrd="0" parTransId="{EF1A171B-24C3-4B9B-9E32-A83BA1033208}" sibTransId="{2F769216-1946-44CB-ABEB-C470C942FCDE}"/>
+    <dgm:cxn modelId="{26A98263-8301-E64F-9755-A51985E26407}" type="presOf" srcId="{C2CD89DA-7B3E-4190-A34F-6F09D73A254B}" destId="{AF5EEF43-F2CB-4E42-900B-5F0C4C1DFF9F}" srcOrd="0" destOrd="0" presId="urn:microsoft.com/office/officeart/2005/8/layout/list1"/>
     <dgm:cxn modelId="{C946D646-DD11-4256-B9F3-A47B1F089077}" srcId="{052E6A69-1515-42E7-8E48-DCFECA38971F}" destId="{A08B3E7C-32BD-4002-A23F-FE9F7FA943C2}" srcOrd="1" destOrd="0" parTransId="{F6C11D30-1B66-494C-A537-25AC46BA16CB}" sibTransId="{0291F275-2EB6-4994-8AA7-DD8995ECF7A8}"/>
     <dgm:cxn modelId="{18AAC248-034E-B24C-B3C5-31BE53C59BFD}" type="presOf" srcId="{23306F35-8942-4045-AD58-89F0C84D7E42}" destId="{74098206-BA33-7E40-8736-C66624F19FAF}" srcOrd="0" destOrd="0" presId="urn:microsoft.com/office/officeart/2005/8/layout/list1"/>
-    <dgm:cxn modelId="{2CE6815F-4EC8-8549-9D34-EE02EBDD1B5D}" type="presOf" srcId="{71971B97-2894-41BE-A401-7B120876AA8F}" destId="{C5A950D0-B6DA-344E-AE3C-B19EEBE01C0A}" srcOrd="0" destOrd="0" presId="urn:microsoft.com/office/officeart/2005/8/layout/list1"/>
-    <dgm:cxn modelId="{26A98263-8301-E64F-9755-A51985E26407}" type="presOf" srcId="{C2CD89DA-7B3E-4190-A34F-6F09D73A254B}" destId="{AF5EEF43-F2CB-4E42-900B-5F0C4C1DFF9F}" srcOrd="0" destOrd="0" presId="urn:microsoft.com/office/officeart/2005/8/layout/list1"/>
     <dgm:cxn modelId="{1C691B6A-1AB0-2E43-B7FD-392AE71BE76B}" type="presOf" srcId="{6E15091F-4E79-4E6A-81CE-352ED17CB742}" destId="{AF5EEF43-F2CB-4E42-900B-5F0C4C1DFF9F}" srcOrd="0" destOrd="1" presId="urn:microsoft.com/office/officeart/2005/8/layout/list1"/>
     <dgm:cxn modelId="{FD405078-A8D5-ED44-814A-C714B4BAA0B3}" type="presOf" srcId="{052E6A69-1515-42E7-8E48-DCFECA38971F}" destId="{F3C87198-05C1-BD47-AD9C-2BC4C039395F}" srcOrd="1" destOrd="0" presId="urn:microsoft.com/office/officeart/2005/8/layout/list1"/>
     <dgm:cxn modelId="{900F6889-8A8E-416C-8736-F6DC5A118D13}" srcId="{052E6A69-1515-42E7-8E48-DCFECA38971F}" destId="{23306F35-8942-4045-AD58-89F0C84D7E42}" srcOrd="0" destOrd="0" parTransId="{0AED51F4-B3C1-400C-B61F-06E9CAF58DF7}" sibTransId="{4D41AC9B-EF37-42CE-9F8F-7CFC6608F662}"/>
@@ -9376,8 +9400,8 @@
       </dsp:nvSpPr>
       <dsp:spPr>
         <a:xfrm>
-          <a:off x="0" y="462992"/>
-          <a:ext cx="6188689" cy="1956150"/>
+          <a:off x="0" y="589667"/>
+          <a:ext cx="6188689" cy="1890000"/>
         </a:xfrm>
         <a:prstGeom prst="rect">
           <a:avLst/>
@@ -9418,12 +9442,12 @@
         <a:fontRef idx="minor"/>
       </dsp:style>
       <dsp:txBody>
-        <a:bodyPr spcFirstLastPara="0" vert="horz" wrap="square" lIns="480311" tIns="562356" rIns="480311" bIns="192024" numCol="1" spcCol="1270" anchor="t" anchorCtr="0">
+        <a:bodyPr spcFirstLastPara="0" vert="horz" wrap="square" lIns="480311" tIns="520700" rIns="480311" bIns="177800" numCol="1" spcCol="1270" anchor="t" anchorCtr="0">
           <a:noAutofit/>
         </a:bodyPr>
         <a:lstStyle/>
         <a:p>
-          <a:pPr marL="228600" lvl="1" indent="-228600" algn="l" defTabSz="1200150">
+          <a:pPr marL="228600" lvl="1" indent="-228600" algn="l" defTabSz="1111250">
             <a:lnSpc>
               <a:spcPct val="90000"/>
             </a:lnSpc>
@@ -9436,13 +9460,13 @@
             <a:buChar char="•"/>
           </a:pPr>
           <a:r>
-            <a:rPr lang="it-IT" sz="2700" kern="1200" baseline="0"/>
+            <a:rPr lang="it-IT" sz="2500" kern="1200" baseline="0"/>
             <a:t>Minor tempo di sviluppo;</a:t>
           </a:r>
-          <a:endParaRPr lang="en-US" sz="2700" kern="1200"/>
+          <a:endParaRPr lang="en-US" sz="2500" kern="1200"/>
         </a:p>
         <a:p>
-          <a:pPr marL="228600" lvl="1" indent="-228600" algn="l" defTabSz="1200150">
+          <a:pPr marL="228600" lvl="1" indent="-228600" algn="l" defTabSz="1111250">
             <a:lnSpc>
               <a:spcPct val="90000"/>
             </a:lnSpc>
@@ -9455,15 +9479,33 @@
             <a:buChar char="•"/>
           </a:pPr>
           <a:r>
-            <a:rPr lang="it-IT" sz="2700" kern="1200" baseline="0"/>
+            <a:rPr lang="it-IT" sz="2500" kern="1200" baseline="0" dirty="0"/>
             <a:t>Minor numero di risorse utilizzate;</a:t>
           </a:r>
-          <a:endParaRPr lang="en-US" sz="2700" kern="1200"/>
+          <a:endParaRPr lang="en-US" sz="2500" kern="1200" dirty="0"/>
+        </a:p>
+        <a:p>
+          <a:pPr marL="228600" lvl="1" indent="-228600" algn="l" defTabSz="1111250">
+            <a:lnSpc>
+              <a:spcPct val="90000"/>
+            </a:lnSpc>
+            <a:spcBef>
+              <a:spcPct val="0"/>
+            </a:spcBef>
+            <a:spcAft>
+              <a:spcPct val="15000"/>
+            </a:spcAft>
+            <a:buChar char="•"/>
+          </a:pPr>
+          <a:r>
+            <a:rPr lang="en-US" sz="2500" kern="1200" dirty="0"/>
+            <a:t>Favorisce i piccoli produttori;</a:t>
+          </a:r>
         </a:p>
       </dsp:txBody>
       <dsp:txXfrm>
-        <a:off x="0" y="462992"/>
-        <a:ext cx="6188689" cy="1956150"/>
+        <a:off x="0" y="589667"/>
+        <a:ext cx="6188689" cy="1890000"/>
       </dsp:txXfrm>
     </dsp:sp>
     <dsp:sp modelId="{F3C87198-05C1-BD47-AD9C-2BC4C039395F}">
@@ -9473,8 +9515,8 @@
       </dsp:nvSpPr>
       <dsp:spPr>
         <a:xfrm>
-          <a:off x="309434" y="64472"/>
-          <a:ext cx="4332082" cy="797040"/>
+          <a:off x="309434" y="220667"/>
+          <a:ext cx="4332082" cy="738000"/>
         </a:xfrm>
         <a:prstGeom prst="roundRect">
           <a:avLst/>
@@ -9549,7 +9591,7 @@
         </a:bodyPr>
         <a:lstStyle/>
         <a:p>
-          <a:pPr marL="0" lvl="0" indent="0" algn="l" defTabSz="1200150">
+          <a:pPr marL="0" lvl="0" indent="0" algn="l" defTabSz="1111250">
             <a:lnSpc>
               <a:spcPct val="90000"/>
             </a:lnSpc>
@@ -9563,15 +9605,15 @@
             <a:defRPr b="1"/>
           </a:pPr>
           <a:r>
-            <a:rPr lang="it-IT" sz="2700" kern="1200" baseline="0"/>
+            <a:rPr lang="it-IT" sz="2500" kern="1200" baseline="0"/>
             <a:t>Vantaggi</a:t>
           </a:r>
-          <a:endParaRPr lang="en-US" sz="2700" kern="1200"/>
+          <a:endParaRPr lang="en-US" sz="2500" kern="1200"/>
         </a:p>
       </dsp:txBody>
       <dsp:txXfrm>
-        <a:off x="348342" y="103380"/>
-        <a:ext cx="4254266" cy="719224"/>
+        <a:off x="345460" y="256693"/>
+        <a:ext cx="4260030" cy="665948"/>
       </dsp:txXfrm>
     </dsp:sp>
     <dsp:sp modelId="{AF5EEF43-F2CB-4E42-900B-5F0C4C1DFF9F}">
@@ -9581,8 +9623,8 @@
       </dsp:nvSpPr>
       <dsp:spPr>
         <a:xfrm>
-          <a:off x="0" y="2963463"/>
-          <a:ext cx="6188689" cy="2381400"/>
+          <a:off x="0" y="2983668"/>
+          <a:ext cx="6188689" cy="2205000"/>
         </a:xfrm>
         <a:prstGeom prst="rect">
           <a:avLst/>
@@ -9623,12 +9665,12 @@
         <a:fontRef idx="minor"/>
       </dsp:style>
       <dsp:txBody>
-        <a:bodyPr spcFirstLastPara="0" vert="horz" wrap="square" lIns="480311" tIns="562356" rIns="480311" bIns="192024" numCol="1" spcCol="1270" anchor="t" anchorCtr="0">
+        <a:bodyPr spcFirstLastPara="0" vert="horz" wrap="square" lIns="480311" tIns="520700" rIns="480311" bIns="177800" numCol="1" spcCol="1270" anchor="t" anchorCtr="0">
           <a:noAutofit/>
         </a:bodyPr>
         <a:lstStyle/>
         <a:p>
-          <a:pPr marL="228600" lvl="1" indent="-228600" algn="l" defTabSz="1200150">
+          <a:pPr marL="228600" lvl="1" indent="-228600" algn="l" defTabSz="1111250">
             <a:lnSpc>
               <a:spcPct val="90000"/>
             </a:lnSpc>
@@ -9641,13 +9683,13 @@
             <a:buChar char="•"/>
           </a:pPr>
           <a:r>
-            <a:rPr lang="it-IT" sz="2700" kern="1200" baseline="0"/>
+            <a:rPr lang="it-IT" sz="2500" kern="1200" baseline="0"/>
             <a:t>Assenza dell’acquisto online;</a:t>
           </a:r>
-          <a:endParaRPr lang="en-US" sz="2700" kern="1200"/>
+          <a:endParaRPr lang="en-US" sz="2500" kern="1200"/>
         </a:p>
         <a:p>
-          <a:pPr marL="228600" lvl="1" indent="-228600" algn="l" defTabSz="1200150">
+          <a:pPr marL="228600" lvl="1" indent="-228600" algn="l" defTabSz="1111250">
             <a:lnSpc>
               <a:spcPct val="90000"/>
             </a:lnSpc>
@@ -9660,13 +9702,13 @@
             <a:buChar char="•"/>
           </a:pPr>
           <a:r>
-            <a:rPr lang="it-IT" sz="2700" kern="1200" baseline="0" dirty="0"/>
+            <a:rPr lang="it-IT" sz="2500" kern="1200" baseline="0" dirty="0"/>
             <a:t>Minor pubblicità dei produttori all’interno delle altre regioni;</a:t>
           </a:r>
-          <a:endParaRPr lang="en-US" sz="2700" kern="1200" dirty="0"/>
+          <a:endParaRPr lang="en-US" sz="2500" kern="1200" dirty="0"/>
         </a:p>
         <a:p>
-          <a:pPr marL="228600" lvl="1" indent="-228600" algn="l" defTabSz="1200150">
+          <a:pPr marL="228600" lvl="1" indent="-228600" algn="l" defTabSz="1111250">
             <a:lnSpc>
               <a:spcPct val="90000"/>
             </a:lnSpc>
@@ -9679,15 +9721,15 @@
             <a:buChar char="•"/>
           </a:pPr>
           <a:r>
-            <a:rPr lang="it-IT" sz="2700" kern="1200" baseline="0"/>
+            <a:rPr lang="it-IT" sz="2500" kern="1200" baseline="0"/>
             <a:t>Necessario l’acquisto in loco;</a:t>
           </a:r>
-          <a:endParaRPr lang="en-US" sz="2700" kern="1200"/>
+          <a:endParaRPr lang="en-US" sz="2500" kern="1200"/>
         </a:p>
       </dsp:txBody>
       <dsp:txXfrm>
-        <a:off x="0" y="2963463"/>
-        <a:ext cx="6188689" cy="2381400"/>
+        <a:off x="0" y="2983668"/>
+        <a:ext cx="6188689" cy="2205000"/>
       </dsp:txXfrm>
     </dsp:sp>
     <dsp:sp modelId="{3415876F-9DDE-BE4E-8726-284C9602564B}">
@@ -9697,8 +9739,8 @@
       </dsp:nvSpPr>
       <dsp:spPr>
         <a:xfrm>
-          <a:off x="309434" y="2564942"/>
-          <a:ext cx="4332082" cy="797040"/>
+          <a:off x="309434" y="2614668"/>
+          <a:ext cx="4332082" cy="738000"/>
         </a:xfrm>
         <a:prstGeom prst="roundRect">
           <a:avLst/>
@@ -9773,7 +9815,7 @@
         </a:bodyPr>
         <a:lstStyle/>
         <a:p>
-          <a:pPr marL="0" lvl="0" indent="0" algn="l" defTabSz="1200150">
+          <a:pPr marL="0" lvl="0" indent="0" algn="l" defTabSz="1111250">
             <a:lnSpc>
               <a:spcPct val="90000"/>
             </a:lnSpc>
@@ -9787,15 +9829,15 @@
             <a:defRPr b="1"/>
           </a:pPr>
           <a:r>
-            <a:rPr lang="it-IT" sz="2700" kern="1200" baseline="0" dirty="0"/>
+            <a:rPr lang="it-IT" sz="2500" kern="1200" baseline="0" dirty="0"/>
             <a:t>Svantaggi</a:t>
           </a:r>
-          <a:endParaRPr lang="en-US" sz="2700" kern="1200" dirty="0"/>
+          <a:endParaRPr lang="en-US" sz="2500" kern="1200" dirty="0"/>
         </a:p>
       </dsp:txBody>
       <dsp:txXfrm>
-        <a:off x="348342" y="2603850"/>
-        <a:ext cx="4254266" cy="719224"/>
+        <a:off x="345460" y="2650694"/>
+        <a:ext cx="4260030" cy="665948"/>
       </dsp:txXfrm>
     </dsp:sp>
   </dsp:spTree>
@@ -18611,7 +18653,7 @@
           <a:p>
             <a:fld id="{2395C5C9-164C-46B3-A87E-7660D39D3106}" type="datetime2">
               <a:rPr lang="en-US" smtClean="0"/>
-              <a:t>Tuesday, September 8, 2020</a:t>
+              <a:t>Sunday, February 21, 2021</a:t>
             </a:fld>
             <a:endParaRPr lang="en-US" dirty="0"/>
           </a:p>
@@ -18814,7 +18856,7 @@
           <a:p>
             <a:fld id="{5B75179A-1E2B-41AB-B400-4F1B4022FAEE}" type="datetime2">
               <a:rPr lang="en-US" smtClean="0"/>
-              <a:t>Tuesday, September 8, 2020</a:t>
+              <a:t>Sunday, February 21, 2021</a:t>
             </a:fld>
             <a:endParaRPr lang="en-US"/>
           </a:p>
@@ -19027,7 +19069,7 @@
           <a:p>
             <a:fld id="{05681D0F-6595-4F14-8EF3-954CD87C797B}" type="datetime2">
               <a:rPr lang="en-US" smtClean="0"/>
-              <a:t>Tuesday, September 8, 2020</a:t>
+              <a:t>Sunday, February 21, 2021</a:t>
             </a:fld>
             <a:endParaRPr lang="en-US"/>
           </a:p>
@@ -19229,7 +19271,7 @@
           <a:p>
             <a:fld id="{4DDCFF8A-AAF8-4A12-8A91-9CA0EAF6CBB9}" type="datetime2">
               <a:rPr lang="en-US" smtClean="0"/>
-              <a:t>Tuesday, September 8, 2020</a:t>
+              <a:t>Sunday, February 21, 2021</a:t>
             </a:fld>
             <a:endParaRPr lang="en-US" dirty="0"/>
           </a:p>
@@ -19508,7 +19550,7 @@
           <a:p>
             <a:fld id="{ABCC25C3-021A-4B0B-8F70-0C181FE1CF45}" type="datetime2">
               <a:rPr lang="en-US" smtClean="0"/>
-              <a:t>Tuesday, September 8, 2020</a:t>
+              <a:t>Sunday, February 21, 2021</a:t>
             </a:fld>
             <a:endParaRPr lang="en-US"/>
           </a:p>
@@ -19768,7 +19810,7 @@
           <a:p>
             <a:fld id="{0C23D88D-8CEC-4ED9-A53B-5596187D9A16}" type="datetime2">
               <a:rPr lang="en-US" smtClean="0"/>
-              <a:t>Tuesday, September 8, 2020</a:t>
+              <a:t>Sunday, February 21, 2021</a:t>
             </a:fld>
             <a:endParaRPr lang="en-US"/>
           </a:p>
@@ -20184,7 +20226,7 @@
           <a:p>
             <a:fld id="{D2CCD382-DFDA-4722-A27A-59C21AD112F2}" type="datetime2">
               <a:rPr lang="en-US" smtClean="0"/>
-              <a:t>Tuesday, September 8, 2020</a:t>
+              <a:t>Sunday, February 21, 2021</a:t>
             </a:fld>
             <a:endParaRPr lang="en-US"/>
           </a:p>
@@ -20329,7 +20371,7 @@
           <a:p>
             <a:fld id="{22F2A30D-1C09-413F-AAB1-38F366000715}" type="datetime2">
               <a:rPr lang="en-US" smtClean="0"/>
-              <a:t>Tuesday, September 8, 2020</a:t>
+              <a:t>Sunday, February 21, 2021</a:t>
             </a:fld>
             <a:endParaRPr lang="en-US"/>
           </a:p>
@@ -20451,7 +20493,7 @@
           <a:p>
             <a:fld id="{6DB82B9C-D65E-4F64-95C3-B10F3B00F0D9}" type="datetime2">
               <a:rPr lang="en-US" smtClean="0"/>
-              <a:t>Tuesday, September 8, 2020</a:t>
+              <a:t>Sunday, February 21, 2021</a:t>
             </a:fld>
             <a:endParaRPr lang="en-US"/>
           </a:p>
@@ -20774,7 +20816,7 @@
           <a:p>
             <a:fld id="{B7F5FDCC-6AAC-4A08-B9E0-3793AB5E64C3}" type="datetime2">
               <a:rPr lang="en-US" smtClean="0"/>
-              <a:t>Tuesday, September 8, 2020</a:t>
+              <a:t>Sunday, February 21, 2021</a:t>
             </a:fld>
             <a:endParaRPr lang="en-US"/>
           </a:p>
@@ -21062,7 +21104,7 @@
           <a:p>
             <a:fld id="{349FE94D-439C-40F1-900E-BC07940E3988}" type="datetime2">
               <a:rPr lang="en-US" smtClean="0"/>
-              <a:t>Tuesday, September 8, 2020</a:t>
+              <a:t>Sunday, February 21, 2021</a:t>
             </a:fld>
             <a:endParaRPr lang="en-US"/>
           </a:p>
@@ -21350,7 +21392,7 @@
           <a:p>
             <a:fld id="{8DEA2CF1-0EB2-4673-802D-3371233E4A77}" type="datetime2">
               <a:rPr lang="en-US" smtClean="0"/>
-              <a:t>Tuesday, September 8, 2020</a:t>
+              <a:t>Sunday, February 21, 2021</a:t>
             </a:fld>
             <a:endParaRPr lang="en-US" dirty="0"/>
           </a:p>
@@ -27155,7 +27197,7 @@
             </a:r>
             <a:r>
               <a:rPr lang="it-IT" sz="1500" dirty="0"/>
-              <a:t>: Un applicativo mobile che consente di esplorare i produttori delle varie regioni italiane. Ogni produttore promuove i propri prodotti locali, segnalandone le specifiche e le caratteristiche. Viceversa, i consumatori potranno collegarsi ai vari servizi di ricerca proposti, selezionando i vari prodotti o quali produttori visitare il loco. Il servizio Google Maps inserito all’interno del profilo produttore, permette di indicare la strada più rapida per raggiungerlo.</a:t>
+              <a:t>: Un applicativo mobile che consente di esplorare i produttori delle varie regioni italiane. Ogni produttore promuove i propri prodotti locali, segnalandone le specifiche e le caratteristiche. Viceversa, i consumatori potranno collegarsi ai vari servizi di ricerca proposti, selezionando i vari prodotti o quali produttori visitare il loco.</a:t>
             </a:r>
           </a:p>
         </p:txBody>
@@ -27634,7 +27676,7 @@
             </a:pPr>
             <a:r>
               <a:rPr lang="it-IT" sz="1900" dirty="0"/>
-              <a:t>In entrambi i progetti sopra elencati, il produttore e il consumatore sono in diretto contatto, permettendo lo sviluppo del mercato agroalimentare. La differenza tra i due progetti analizzati è la tipologia di vendita, in quanto nel primo caso viene considerata anche l’opzione online, mentre nel secondo, vi è l’obbligo di acquisto in loco. Considerando i modelli già utilizzati da molti sistemi esistenti e sfruttando già i servizi conosciuti, si è optato per la prima idea di progetto, ampliando il commercio a tutti i produttori. </a:t>
+              <a:t>In entrambi i progetti sopra elencati, il produttore e il consumatore sono in diretto contatto, permettendo lo sviluppo del mercato agroalimentare. La differenza tra i due progetti analizzati è la tipologia di vendita, in quanto nel primo caso viene considerata anche l’opzione online, mentre nel secondo, vi è l’obbligo di acquisto in loco. Considerando i modelli già utilizzati da molti sistemi esistenti e sfruttando le conoscenze acquisite, ho optato per la prima idea di progetto. </a:t>
             </a:r>
           </a:p>
           <a:p>
@@ -28064,7 +28106,7 @@
             </a:pPr>
             <a:r>
               <a:rPr lang="it-IT" sz="1800" dirty="0"/>
-              <a:t>Ogni consumatore ha a disposizione un proprio account personale in cui sarà possibile selezionare svariati articoli proposti. Ogni prodotto ha a disposizione una scheda con le proprie specifiche, come ad esempio: il modello di coltivazione o l’uso di conservanti chimici. Una volta acquistato un articolo, il consumatore potrà ritirare il prodotto in loco, oppure scegliere tra le varie modalità di spedizione proposte. In caso di problemi, ogni produttore potrà essere contattato via e-mail, numero telefonico o contattare il servizio clienti nell’opportuna sezione.</a:t>
+              <a:t>Ogni consumatore ha a disposizione un proprio account personale in cui sarà possibile selezionare svariati articoli proposti. Ogni prodotto ha a disposizione una scheda con le proprie specifiche, come ad esempio: il modello di coltivazione o l’uso di conservanti chimici. Una volta visualizzato un articolo, il consumatore potrà acquistare il prodotto in loco, oppure scegliere tra le varie modalità di spedizione proposte. In caso di problemi, ogni produttore potrà essere contattato via e-mail, numero telefonico o contattare il servizio clienti nell’opportuna sezione.</a:t>
             </a:r>
           </a:p>
           <a:p>
@@ -28920,7 +28962,7 @@
             <p:ph idx="1"/>
             <p:extLst>
               <p:ext uri="{D42A27DB-BD31-4B8C-83A1-F6EECF244321}">
-                <p14:modId xmlns:p14="http://schemas.microsoft.com/office/powerpoint/2010/main" val="2805626133"/>
+                <p14:modId xmlns:p14="http://schemas.microsoft.com/office/powerpoint/2010/main" val="3733252697"/>
               </p:ext>
             </p:extLst>
           </p:nvPr>
